--- a/Zwischenpräsi.pptx
+++ b/Zwischenpräsi.pptx
@@ -2765,6 +2765,16 @@
               </a:rPr>
               <a:t> Gewerk 2</a:t>
             </a:r>
+            <a:r>
+              <a:rPr lang="en-US" dirty="0">
+                <a:solidFill>
+                  <a:schemeClr val="tx1"/>
+                </a:solidFill>
+                <a:latin typeface="+mj-ea"/>
+                <a:cs typeface="+mj-ea"/>
+              </a:rPr>
+              <a:t/>
+            </a:r>
             <a:br>
               <a:rPr lang="en-US" dirty="0">
                 <a:solidFill>
@@ -2809,6 +2819,14 @@
                 <a:spcPct val="90000"/>
               </a:lnSpc>
             </a:pPr>
+            <a:r>
+              <a:rPr lang="en-US" dirty="0">
+                <a:solidFill>
+                  <a:schemeClr val="tx1"/>
+                </a:solidFill>
+              </a:rPr>
+              <a:t/>
+            </a:r>
             <a:br>
               <a:rPr lang="en-US" dirty="0">
                 <a:solidFill>
@@ -2951,7 +2969,7 @@
           <p:cNvPr id="4" name="Grafik 3">
             <a:extLst>
               <a:ext uri="{FF2B5EF4-FFF2-40B4-BE49-F238E27FC236}">
-                <a16:creationId xmlns:a16="http://schemas.microsoft.com/office/drawing/2014/main" id="{E8FD4E4A-4BD4-441B-A6FB-F1DF917A54FF}"/>
+                <a16:creationId xmlns:a16="http://schemas.microsoft.com/office/drawing/2014/main" xmlns="" id="{E8FD4E4A-4BD4-441B-A6FB-F1DF917A54FF}"/>
               </a:ext>
             </a:extLst>
           </p:cNvPr>
@@ -2987,7 +3005,7 @@
           <p:cNvPr id="6" name="Grafik 5">
             <a:extLst>
               <a:ext uri="{FF2B5EF4-FFF2-40B4-BE49-F238E27FC236}">
-                <a16:creationId xmlns:a16="http://schemas.microsoft.com/office/drawing/2014/main" id="{2FAA14AD-2BD0-4AB6-B784-D2821EEA1036}"/>
+                <a16:creationId xmlns:a16="http://schemas.microsoft.com/office/drawing/2014/main" xmlns="" id="{2FAA14AD-2BD0-4AB6-B784-D2821EEA1036}"/>
               </a:ext>
             </a:extLst>
           </p:cNvPr>
@@ -3049,7 +3067,7 @@
           <p:cNvPr id="2" name="Titel 1">
             <a:extLst>
               <a:ext uri="{FF2B5EF4-FFF2-40B4-BE49-F238E27FC236}">
-                <a16:creationId xmlns:a16="http://schemas.microsoft.com/office/drawing/2014/main" id="{199E0412-C9C1-4338-AF11-254B58531795}"/>
+                <a16:creationId xmlns:a16="http://schemas.microsoft.com/office/drawing/2014/main" xmlns="" id="{199E0412-C9C1-4338-AF11-254B58531795}"/>
               </a:ext>
             </a:extLst>
           </p:cNvPr>
@@ -3078,7 +3096,7 @@
           <p:cNvPr id="3" name="Inhaltsplatzhalter 2">
             <a:extLst>
               <a:ext uri="{FF2B5EF4-FFF2-40B4-BE49-F238E27FC236}">
-                <a16:creationId xmlns:a16="http://schemas.microsoft.com/office/drawing/2014/main" id="{C398954B-85C0-425D-A3DF-8844D64D05F0}"/>
+                <a16:creationId xmlns:a16="http://schemas.microsoft.com/office/drawing/2014/main" xmlns="" id="{C398954B-85C0-425D-A3DF-8844D64D05F0}"/>
               </a:ext>
             </a:extLst>
           </p:cNvPr>
@@ -3151,7 +3169,7 @@
           <p:cNvPr id="4" name="Fußzeilenplatzhalter 3">
             <a:extLst>
               <a:ext uri="{FF2B5EF4-FFF2-40B4-BE49-F238E27FC236}">
-                <a16:creationId xmlns:a16="http://schemas.microsoft.com/office/drawing/2014/main" id="{CF38E57F-8951-4C6C-808C-D512836D4D27}"/>
+                <a16:creationId xmlns:a16="http://schemas.microsoft.com/office/drawing/2014/main" xmlns="" id="{CF38E57F-8951-4C6C-808C-D512836D4D27}"/>
               </a:ext>
             </a:extLst>
           </p:cNvPr>
@@ -3205,7 +3223,7 @@
           <p:cNvPr id="5" name="Foliennummernplatzhalter 4">
             <a:extLst>
               <a:ext uri="{FF2B5EF4-FFF2-40B4-BE49-F238E27FC236}">
-                <a16:creationId xmlns:a16="http://schemas.microsoft.com/office/drawing/2014/main" id="{DF2B7CFB-9EDB-41B2-98FF-80F53662EB29}"/>
+                <a16:creationId xmlns:a16="http://schemas.microsoft.com/office/drawing/2014/main" xmlns="" id="{DF2B7CFB-9EDB-41B2-98FF-80F53662EB29}"/>
               </a:ext>
             </a:extLst>
           </p:cNvPr>
@@ -3273,7 +3291,7 @@
           <p:cNvPr id="2" name="Titel 1">
             <a:extLst>
               <a:ext uri="{FF2B5EF4-FFF2-40B4-BE49-F238E27FC236}">
-                <a16:creationId xmlns:a16="http://schemas.microsoft.com/office/drawing/2014/main" id="{1D01E2E5-1074-46DC-8480-1F80146A86FC}"/>
+                <a16:creationId xmlns:a16="http://schemas.microsoft.com/office/drawing/2014/main" xmlns="" id="{1D01E2E5-1074-46DC-8480-1F80146A86FC}"/>
               </a:ext>
             </a:extLst>
           </p:cNvPr>
@@ -3301,7 +3319,7 @@
           <p:cNvPr id="4" name="Fußzeilenplatzhalter 3">
             <a:extLst>
               <a:ext uri="{FF2B5EF4-FFF2-40B4-BE49-F238E27FC236}">
-                <a16:creationId xmlns:a16="http://schemas.microsoft.com/office/drawing/2014/main" id="{583DA148-6337-4743-A905-1AE732F50969}"/>
+                <a16:creationId xmlns:a16="http://schemas.microsoft.com/office/drawing/2014/main" xmlns="" id="{583DA148-6337-4743-A905-1AE732F50969}"/>
               </a:ext>
             </a:extLst>
           </p:cNvPr>
@@ -3341,7 +3359,7 @@
           <p:cNvPr id="5" name="Foliennummernplatzhalter 4">
             <a:extLst>
               <a:ext uri="{FF2B5EF4-FFF2-40B4-BE49-F238E27FC236}">
-                <a16:creationId xmlns:a16="http://schemas.microsoft.com/office/drawing/2014/main" id="{A0D5C8BD-9677-4BC5-A234-D3DA6C5C17F2}"/>
+                <a16:creationId xmlns:a16="http://schemas.microsoft.com/office/drawing/2014/main" xmlns="" id="{A0D5C8BD-9677-4BC5-A234-D3DA6C5C17F2}"/>
               </a:ext>
             </a:extLst>
           </p:cNvPr>
@@ -3375,13 +3393,7 @@
       </p:sp>
       <p:pic>
         <p:nvPicPr>
-          <p:cNvPr id="6" name="Inhaltsplatzhalter 6">
-            <a:extLst>
-              <a:ext uri="{FF2B5EF4-FFF2-40B4-BE49-F238E27FC236}">
-                <a16:creationId xmlns:a16="http://schemas.microsoft.com/office/drawing/2014/main" id="{D7437309-B556-482F-9225-BC74A289B8DF}"/>
-              </a:ext>
-            </a:extLst>
-          </p:cNvPr>
+          <p:cNvPr id="9" name="Inhaltsplatzhalter 8"/>
           <p:cNvPicPr>
             <a:picLocks noGrp="1" noChangeAspect="1"/>
           </p:cNvPicPr>
@@ -3389,22 +3401,20 @@
             <p:ph idx="1"/>
           </p:nvPr>
         </p:nvPicPr>
-        <p:blipFill rotWithShape="1">
-          <a:blip r:embed="rId2">
-            <a:extLst>
-              <a:ext uri="{28A0092B-C50C-407E-A947-70E740481C1C}">
-                <a14:useLocalDpi xmlns:a14="http://schemas.microsoft.com/office/drawing/2010/main" val="0"/>
-              </a:ext>
-            </a:extLst>
-          </a:blip>
-          <a:srcRect t="6395" b="4624"/>
-          <a:stretch/>
+        <p:blipFill>
+          <a:blip r:embed="rId2"/>
+          <a:stretch>
+            <a:fillRect/>
+          </a:stretch>
         </p:blipFill>
         <p:spPr>
           <a:xfrm>
-            <a:off x="1273457" y="1273175"/>
-            <a:ext cx="7438461" cy="4964113"/>
+            <a:off x="320675" y="1427212"/>
+            <a:ext cx="9344025" cy="4656039"/>
           </a:xfrm>
+          <a:prstGeom prst="rect">
+            <a:avLst/>
+          </a:prstGeom>
         </p:spPr>
       </p:pic>
     </p:spTree>
@@ -3443,7 +3453,7 @@
           <p:cNvPr id="2" name="Titel 1">
             <a:extLst>
               <a:ext uri="{FF2B5EF4-FFF2-40B4-BE49-F238E27FC236}">
-                <a16:creationId xmlns:a16="http://schemas.microsoft.com/office/drawing/2014/main" id="{46690A77-D47F-472A-AB27-1C3F26DAFD45}"/>
+                <a16:creationId xmlns:a16="http://schemas.microsoft.com/office/drawing/2014/main" xmlns="" id="{46690A77-D47F-472A-AB27-1C3F26DAFD45}"/>
               </a:ext>
             </a:extLst>
           </p:cNvPr>
@@ -3471,7 +3481,7 @@
           <p:cNvPr id="4" name="Fußzeilenplatzhalter 3">
             <a:extLst>
               <a:ext uri="{FF2B5EF4-FFF2-40B4-BE49-F238E27FC236}">
-                <a16:creationId xmlns:a16="http://schemas.microsoft.com/office/drawing/2014/main" id="{0437E12D-4F3D-495B-A07A-B6FA7C40A8D3}"/>
+                <a16:creationId xmlns:a16="http://schemas.microsoft.com/office/drawing/2014/main" xmlns="" id="{0437E12D-4F3D-495B-A07A-B6FA7C40A8D3}"/>
               </a:ext>
             </a:extLst>
           </p:cNvPr>
@@ -3525,7 +3535,7 @@
           <p:cNvPr id="5" name="Foliennummernplatzhalter 4">
             <a:extLst>
               <a:ext uri="{FF2B5EF4-FFF2-40B4-BE49-F238E27FC236}">
-                <a16:creationId xmlns:a16="http://schemas.microsoft.com/office/drawing/2014/main" id="{0886D6B4-2E03-4E02-8110-641A267784A8}"/>
+                <a16:creationId xmlns:a16="http://schemas.microsoft.com/office/drawing/2014/main" xmlns="" id="{0886D6B4-2E03-4E02-8110-641A267784A8}"/>
               </a:ext>
             </a:extLst>
           </p:cNvPr>
@@ -3562,7 +3572,7 @@
           <p:cNvPr id="6" name="Inhaltsplatzhalter 6">
             <a:extLst>
               <a:ext uri="{FF2B5EF4-FFF2-40B4-BE49-F238E27FC236}">
-                <a16:creationId xmlns:a16="http://schemas.microsoft.com/office/drawing/2014/main" id="{47CA03EB-15C9-46A7-AC74-65C5D3926AE3}"/>
+                <a16:creationId xmlns:a16="http://schemas.microsoft.com/office/drawing/2014/main" xmlns="" id="{47CA03EB-15C9-46A7-AC74-65C5D3926AE3}"/>
               </a:ext>
             </a:extLst>
           </p:cNvPr>
@@ -3625,7 +3635,7 @@
           <p:cNvPr id="2" name="Titel 1">
             <a:extLst>
               <a:ext uri="{FF2B5EF4-FFF2-40B4-BE49-F238E27FC236}">
-                <a16:creationId xmlns:a16="http://schemas.microsoft.com/office/drawing/2014/main" id="{4A0F5E8D-F58A-4E19-847B-829BC0D241AE}"/>
+                <a16:creationId xmlns:a16="http://schemas.microsoft.com/office/drawing/2014/main" xmlns="" id="{4A0F5E8D-F58A-4E19-847B-829BC0D241AE}"/>
               </a:ext>
             </a:extLst>
           </p:cNvPr>
@@ -3653,7 +3663,7 @@
           <p:cNvPr id="3" name="Inhaltsplatzhalter 2">
             <a:extLst>
               <a:ext uri="{FF2B5EF4-FFF2-40B4-BE49-F238E27FC236}">
-                <a16:creationId xmlns:a16="http://schemas.microsoft.com/office/drawing/2014/main" id="{5A6611EA-D485-4EFE-BAE3-245FB9833B89}"/>
+                <a16:creationId xmlns:a16="http://schemas.microsoft.com/office/drawing/2014/main" xmlns="" id="{5A6611EA-D485-4EFE-BAE3-245FB9833B89}"/>
               </a:ext>
             </a:extLst>
           </p:cNvPr>
@@ -3741,8 +3751,12 @@
               <a:buChar char="•"/>
             </a:pPr>
             <a:r>
+              <a:rPr lang="de-DE" sz="1800" dirty="0" smtClean="0"/>
+              <a:t>Empfangen </a:t>
+            </a:r>
+            <a:r>
               <a:rPr lang="de-DE" sz="1800" dirty="0"/>
-              <a:t>Senden von einem Auftrag an die Roboter mittels UDP</a:t>
+              <a:t>von einem Auftrag an die Roboter mittels UDP</a:t>
             </a:r>
           </a:p>
           <a:p>
@@ -3769,7 +3783,7 @@
           <p:cNvPr id="4" name="Fußzeilenplatzhalter 3">
             <a:extLst>
               <a:ext uri="{FF2B5EF4-FFF2-40B4-BE49-F238E27FC236}">
-                <a16:creationId xmlns:a16="http://schemas.microsoft.com/office/drawing/2014/main" id="{22BA5185-90F9-48FD-BC24-F8F43126611C}"/>
+                <a16:creationId xmlns:a16="http://schemas.microsoft.com/office/drawing/2014/main" xmlns="" id="{22BA5185-90F9-48FD-BC24-F8F43126611C}"/>
               </a:ext>
             </a:extLst>
           </p:cNvPr>
@@ -3823,7 +3837,7 @@
           <p:cNvPr id="5" name="Foliennummernplatzhalter 4">
             <a:extLst>
               <a:ext uri="{FF2B5EF4-FFF2-40B4-BE49-F238E27FC236}">
-                <a16:creationId xmlns:a16="http://schemas.microsoft.com/office/drawing/2014/main" id="{8A66F8E3-E660-4C88-A4B4-347CF57581B2}"/>
+                <a16:creationId xmlns:a16="http://schemas.microsoft.com/office/drawing/2014/main" xmlns="" id="{8A66F8E3-E660-4C88-A4B4-347CF57581B2}"/>
               </a:ext>
             </a:extLst>
           </p:cNvPr>
@@ -3891,7 +3905,7 @@
           <p:cNvPr id="2" name="Titel 1">
             <a:extLst>
               <a:ext uri="{FF2B5EF4-FFF2-40B4-BE49-F238E27FC236}">
-                <a16:creationId xmlns:a16="http://schemas.microsoft.com/office/drawing/2014/main" id="{69D175C7-2277-48EE-80FF-0E761953819F}"/>
+                <a16:creationId xmlns:a16="http://schemas.microsoft.com/office/drawing/2014/main" xmlns="" id="{69D175C7-2277-48EE-80FF-0E761953819F}"/>
               </a:ext>
             </a:extLst>
           </p:cNvPr>
@@ -3919,7 +3933,7 @@
           <p:cNvPr id="3" name="Inhaltsplatzhalter 2">
             <a:extLst>
               <a:ext uri="{FF2B5EF4-FFF2-40B4-BE49-F238E27FC236}">
-                <a16:creationId xmlns:a16="http://schemas.microsoft.com/office/drawing/2014/main" id="{D48E999B-3E55-4E29-B367-1F5A664CD438}"/>
+                <a16:creationId xmlns:a16="http://schemas.microsoft.com/office/drawing/2014/main" xmlns="" id="{D48E999B-3E55-4E29-B367-1F5A664CD438}"/>
               </a:ext>
             </a:extLst>
           </p:cNvPr>
@@ -3940,9 +3954,18 @@
               <a:buChar char="•"/>
             </a:pPr>
             <a:r>
+              <a:rPr lang="de-DE" sz="1800" dirty="0" smtClean="0"/>
+              <a:t>Übergabe vom Transport in den Fertigungsbereich wird nicht immer </a:t>
+            </a:r>
+            <a:r>
               <a:rPr lang="de-DE" sz="1800" dirty="0"/>
-              <a:t>Übergabe vom Transport in den Fertigungsbereich wird nicht immer direkt erkannt</a:t>
-            </a:r>
+              <a:t>direkt erkannt (schon behoben</a:t>
+            </a:r>
+            <a:r>
+              <a:rPr lang="de-DE" sz="1800" dirty="0" smtClean="0"/>
+              <a:t>)</a:t>
+            </a:r>
+            <a:endParaRPr lang="de-DE" sz="1800" dirty="0" smtClean="0"/>
           </a:p>
           <a:p>
             <a:pPr>
@@ -3950,13 +3973,51 @@
               <a:buChar char="•"/>
             </a:pPr>
             <a:r>
-              <a:rPr lang="de-DE" sz="1800" dirty="0" err="1"/>
+              <a:rPr lang="de-DE" sz="1800" dirty="0" err="1" smtClean="0"/>
               <a:t>Robotino</a:t>
             </a:r>
             <a:r>
+              <a:rPr lang="de-DE" sz="1800" dirty="0" smtClean="0"/>
+              <a:t> </a:t>
+            </a:r>
+            <a:r>
               <a:rPr lang="de-DE" sz="1800" dirty="0"/>
-              <a:t> stoppt sich willkürlich selbst</a:t>
-            </a:r>
+              <a:t>stoppt sich willkürlich </a:t>
+            </a:r>
+            <a:r>
+              <a:rPr lang="de-DE" sz="1800" dirty="0" smtClean="0"/>
+              <a:t>selbst nach </a:t>
+            </a:r>
+            <a:r>
+              <a:rPr lang="de-DE" sz="1800" dirty="0"/>
+              <a:t>V</a:t>
+            </a:r>
+            <a:r>
+              <a:rPr lang="de-DE" sz="1800" dirty="0" smtClean="0"/>
+              <a:t>erbindung mit Gewerk 3 (schon von Gewerk3 </a:t>
+            </a:r>
+            <a:r>
+              <a:rPr lang="de-DE" sz="1800" smtClean="0"/>
+              <a:t>behoben)</a:t>
+            </a:r>
+            <a:endParaRPr lang="de-DE" sz="1800" dirty="0" smtClean="0"/>
+          </a:p>
+          <a:p>
+            <a:pPr>
+              <a:buFont typeface="Arial" panose="020B0604020202020204" pitchFamily="34" charset="0"/>
+              <a:buChar char="•"/>
+            </a:pPr>
+            <a:r>
+              <a:rPr lang="de-DE" sz="1800" dirty="0" smtClean="0"/>
+              <a:t>UDP Kommunikation mit Gewerk 1 zur Auftragsverteilung nicht möglich (teilweise behoben)</a:t>
+            </a:r>
+          </a:p>
+          <a:p>
+            <a:pPr>
+              <a:buFont typeface="Arial" panose="020B0604020202020204" pitchFamily="34" charset="0"/>
+              <a:buChar char="•"/>
+            </a:pPr>
+            <a:endParaRPr lang="de-DE" sz="1800" dirty="0"/>
           </a:p>
           <a:p>
             <a:pPr marL="0" indent="0"/>
@@ -4001,7 +4062,7 @@
           <p:cNvPr id="4" name="Fußzeilenplatzhalter 3">
             <a:extLst>
               <a:ext uri="{FF2B5EF4-FFF2-40B4-BE49-F238E27FC236}">
-                <a16:creationId xmlns:a16="http://schemas.microsoft.com/office/drawing/2014/main" id="{2137E165-7B19-4681-A71E-0B75A5F168F0}"/>
+                <a16:creationId xmlns:a16="http://schemas.microsoft.com/office/drawing/2014/main" xmlns="" id="{2137E165-7B19-4681-A71E-0B75A5F168F0}"/>
               </a:ext>
             </a:extLst>
           </p:cNvPr>
@@ -4025,12 +4086,16 @@
               <a:t>VPJ Gewerk 2 |  Bahnplanung  | </a:t>
             </a:r>
             <a:r>
-              <a:rPr lang="de-DE" dirty="0" err="1"/>
-              <a:t>SoiSe</a:t>
+              <a:rPr lang="de-DE" dirty="0" err="1" smtClean="0"/>
+              <a:t>SoSe</a:t>
+            </a:r>
+            <a:r>
+              <a:rPr lang="de-DE" dirty="0" smtClean="0"/>
+              <a:t> </a:t>
             </a:r>
             <a:r>
               <a:rPr lang="de-DE" dirty="0"/>
-              <a:t> 2018  </a:t>
+              <a:t>2018  </a:t>
             </a:r>
             <a:r>
               <a:rPr lang="de-DE" dirty="0">
@@ -4055,7 +4120,7 @@
           <p:cNvPr id="5" name="Foliennummernplatzhalter 4">
             <a:extLst>
               <a:ext uri="{FF2B5EF4-FFF2-40B4-BE49-F238E27FC236}">
-                <a16:creationId xmlns:a16="http://schemas.microsoft.com/office/drawing/2014/main" id="{4C25DBB2-B24D-49AD-BB7F-6A16BA69840D}"/>
+                <a16:creationId xmlns:a16="http://schemas.microsoft.com/office/drawing/2014/main" xmlns="" id="{4C25DBB2-B24D-49AD-BB7F-6A16BA69840D}"/>
               </a:ext>
             </a:extLst>
           </p:cNvPr>
@@ -4123,7 +4188,7 @@
           <p:cNvPr id="2" name="Titel 1">
             <a:extLst>
               <a:ext uri="{FF2B5EF4-FFF2-40B4-BE49-F238E27FC236}">
-                <a16:creationId xmlns:a16="http://schemas.microsoft.com/office/drawing/2014/main" id="{0DE113FB-13E9-4EBE-83D1-36549BEDE9B3}"/>
+                <a16:creationId xmlns:a16="http://schemas.microsoft.com/office/drawing/2014/main" xmlns="" id="{0DE113FB-13E9-4EBE-83D1-36549BEDE9B3}"/>
               </a:ext>
             </a:extLst>
           </p:cNvPr>
@@ -4158,7 +4223,7 @@
           <p:cNvPr id="3" name="Inhaltsplatzhalter 2">
             <a:extLst>
               <a:ext uri="{FF2B5EF4-FFF2-40B4-BE49-F238E27FC236}">
-                <a16:creationId xmlns:a16="http://schemas.microsoft.com/office/drawing/2014/main" id="{63B4F7EC-690A-4EEA-84CB-ADF923F87B5F}"/>
+                <a16:creationId xmlns:a16="http://schemas.microsoft.com/office/drawing/2014/main" xmlns="" id="{63B4F7EC-690A-4EEA-84CB-ADF923F87B5F}"/>
               </a:ext>
             </a:extLst>
           </p:cNvPr>
@@ -4205,8 +4270,23 @@
             </a:r>
             <a:r>
               <a:rPr lang="de-DE" sz="1800" dirty="0"/>
-              <a:t> 2.0</a:t>
-            </a:r>
+              <a:t> </a:t>
+            </a:r>
+            <a:r>
+              <a:rPr lang="de-DE" sz="1800" dirty="0" smtClean="0"/>
+              <a:t>2.0</a:t>
+            </a:r>
+          </a:p>
+          <a:p>
+            <a:pPr marL="285750" indent="-285750">
+              <a:buFont typeface="Arial" panose="020B0604020202020204" pitchFamily="34" charset="0"/>
+              <a:buChar char="•"/>
+            </a:pPr>
+            <a:r>
+              <a:rPr lang="de-DE" sz="1800" dirty="0" smtClean="0"/>
+              <a:t>Optimierung der schon vorhandenen Funktionen</a:t>
+            </a:r>
+            <a:endParaRPr lang="de-DE" sz="1800" dirty="0"/>
           </a:p>
           <a:p>
             <a:endParaRPr lang="de-DE" dirty="0"/>
@@ -4218,7 +4298,7 @@
           <p:cNvPr id="4" name="Fußzeilenplatzhalter 3">
             <a:extLst>
               <a:ext uri="{FF2B5EF4-FFF2-40B4-BE49-F238E27FC236}">
-                <a16:creationId xmlns:a16="http://schemas.microsoft.com/office/drawing/2014/main" id="{4F8AE508-9E5F-4810-ADFD-2B16A9A9B7BF}"/>
+                <a16:creationId xmlns:a16="http://schemas.microsoft.com/office/drawing/2014/main" xmlns="" id="{4F8AE508-9E5F-4810-ADFD-2B16A9A9B7BF}"/>
               </a:ext>
             </a:extLst>
           </p:cNvPr>
@@ -4258,7 +4338,7 @@
           <p:cNvPr id="5" name="Foliennummernplatzhalter 4">
             <a:extLst>
               <a:ext uri="{FF2B5EF4-FFF2-40B4-BE49-F238E27FC236}">
-                <a16:creationId xmlns:a16="http://schemas.microsoft.com/office/drawing/2014/main" id="{E58A3AE0-41E8-4290-A24B-CBD45BFF565F}"/>
+                <a16:creationId xmlns:a16="http://schemas.microsoft.com/office/drawing/2014/main" xmlns="" id="{E58A3AE0-41E8-4290-A24B-CBD45BFF565F}"/>
               </a:ext>
             </a:extLst>
           </p:cNvPr>
@@ -4295,7 +4375,7 @@
           <p:cNvPr id="6" name="Inhaltsplatzhalter 5">
             <a:extLst>
               <a:ext uri="{FF2B5EF4-FFF2-40B4-BE49-F238E27FC236}">
-                <a16:creationId xmlns:a16="http://schemas.microsoft.com/office/drawing/2014/main" id="{F1E18ED7-309C-498B-9958-294406DF35EA}"/>
+                <a16:creationId xmlns:a16="http://schemas.microsoft.com/office/drawing/2014/main" xmlns="" id="{F1E18ED7-309C-498B-9958-294406DF35EA}"/>
               </a:ext>
             </a:extLst>
           </p:cNvPr>
@@ -4318,7 +4398,7 @@
         </p:blipFill>
         <p:spPr bwMode="gray">
           <a:xfrm>
-            <a:off x="-17904" y="2724871"/>
+            <a:off x="0" y="3204374"/>
             <a:ext cx="9923904" cy="2859954"/>
           </a:xfrm>
           <a:prstGeom prst="rect">
